--- a/Presentaciones/clase3.pptx
+++ b/Presentaciones/clase3.pptx
@@ -257,7 +257,7 @@
           <a:p>
             <a:fld id="{335E2236-D455-4DD8-A888-4891A2CA0698}" type="datetimeFigureOut">
               <a:rPr lang="es-MX" smtClean="0"/>
-              <a:t>13/10/2020</a:t>
+              <a:t>03/11/2020</a:t>
             </a:fld>
             <a:endParaRPr lang="es-MX"/>
           </a:p>
@@ -427,7 +427,7 @@
           <a:p>
             <a:fld id="{335E2236-D455-4DD8-A888-4891A2CA0698}" type="datetimeFigureOut">
               <a:rPr lang="es-MX" smtClean="0"/>
-              <a:t>13/10/2020</a:t>
+              <a:t>03/11/2020</a:t>
             </a:fld>
             <a:endParaRPr lang="es-MX"/>
           </a:p>
@@ -607,7 +607,7 @@
           <a:p>
             <a:fld id="{335E2236-D455-4DD8-A888-4891A2CA0698}" type="datetimeFigureOut">
               <a:rPr lang="es-MX" smtClean="0"/>
-              <a:t>13/10/2020</a:t>
+              <a:t>03/11/2020</a:t>
             </a:fld>
             <a:endParaRPr lang="es-MX"/>
           </a:p>
@@ -777,7 +777,7 @@
           <a:p>
             <a:fld id="{335E2236-D455-4DD8-A888-4891A2CA0698}" type="datetimeFigureOut">
               <a:rPr lang="es-MX" smtClean="0"/>
-              <a:t>13/10/2020</a:t>
+              <a:t>03/11/2020</a:t>
             </a:fld>
             <a:endParaRPr lang="es-MX"/>
           </a:p>
@@ -1023,7 +1023,7 @@
           <a:p>
             <a:fld id="{335E2236-D455-4DD8-A888-4891A2CA0698}" type="datetimeFigureOut">
               <a:rPr lang="es-MX" smtClean="0"/>
-              <a:t>13/10/2020</a:t>
+              <a:t>03/11/2020</a:t>
             </a:fld>
             <a:endParaRPr lang="es-MX"/>
           </a:p>
@@ -1255,7 +1255,7 @@
           <a:p>
             <a:fld id="{335E2236-D455-4DD8-A888-4891A2CA0698}" type="datetimeFigureOut">
               <a:rPr lang="es-MX" smtClean="0"/>
-              <a:t>13/10/2020</a:t>
+              <a:t>03/11/2020</a:t>
             </a:fld>
             <a:endParaRPr lang="es-MX"/>
           </a:p>
@@ -1622,7 +1622,7 @@
           <a:p>
             <a:fld id="{335E2236-D455-4DD8-A888-4891A2CA0698}" type="datetimeFigureOut">
               <a:rPr lang="es-MX" smtClean="0"/>
-              <a:t>13/10/2020</a:t>
+              <a:t>03/11/2020</a:t>
             </a:fld>
             <a:endParaRPr lang="es-MX"/>
           </a:p>
@@ -1740,7 +1740,7 @@
           <a:p>
             <a:fld id="{335E2236-D455-4DD8-A888-4891A2CA0698}" type="datetimeFigureOut">
               <a:rPr lang="es-MX" smtClean="0"/>
-              <a:t>13/10/2020</a:t>
+              <a:t>03/11/2020</a:t>
             </a:fld>
             <a:endParaRPr lang="es-MX"/>
           </a:p>
@@ -1835,7 +1835,7 @@
           <a:p>
             <a:fld id="{335E2236-D455-4DD8-A888-4891A2CA0698}" type="datetimeFigureOut">
               <a:rPr lang="es-MX" smtClean="0"/>
-              <a:t>13/10/2020</a:t>
+              <a:t>03/11/2020</a:t>
             </a:fld>
             <a:endParaRPr lang="es-MX"/>
           </a:p>
@@ -2112,7 +2112,7 @@
           <a:p>
             <a:fld id="{335E2236-D455-4DD8-A888-4891A2CA0698}" type="datetimeFigureOut">
               <a:rPr lang="es-MX" smtClean="0"/>
-              <a:t>13/10/2020</a:t>
+              <a:t>03/11/2020</a:t>
             </a:fld>
             <a:endParaRPr lang="es-MX"/>
           </a:p>
@@ -2365,7 +2365,7 @@
           <a:p>
             <a:fld id="{335E2236-D455-4DD8-A888-4891A2CA0698}" type="datetimeFigureOut">
               <a:rPr lang="es-MX" smtClean="0"/>
-              <a:t>13/10/2020</a:t>
+              <a:t>03/11/2020</a:t>
             </a:fld>
             <a:endParaRPr lang="es-MX"/>
           </a:p>
@@ -2433,7 +2433,6 @@
       <p:bgPr>
         <a:blipFill dpi="0" rotWithShape="1">
           <a:blip r:embed="rId13">
-            <a:alphaModFix amt="20000"/>
             <a:lum/>
           </a:blip>
           <a:srcRect/>
@@ -2588,7 +2587,7 @@
           <a:p>
             <a:fld id="{335E2236-D455-4DD8-A888-4891A2CA0698}" type="datetimeFigureOut">
               <a:rPr lang="es-MX" smtClean="0"/>
-              <a:t>13/10/2020</a:t>
+              <a:t>03/11/2020</a:t>
             </a:fld>
             <a:endParaRPr lang="es-MX"/>
           </a:p>
